--- a/trainingMethods.pptx
+++ b/trainingMethods.pptx
@@ -259,7 +259,7 @@
           <a:p>
             <a:fld id="{CFE2123C-B64D-A343-BD51-70F5FE8B4A19}" type="datetimeFigureOut">
               <a:rPr lang="en-US" smtClean="0"/>
-              <a:t>5/12/16</a:t>
+              <a:t>5/22/16</a:t>
             </a:fld>
             <a:endParaRPr lang="en-US"/>
           </a:p>
@@ -429,7 +429,7 @@
           <a:p>
             <a:fld id="{CFE2123C-B64D-A343-BD51-70F5FE8B4A19}" type="datetimeFigureOut">
               <a:rPr lang="en-US" smtClean="0"/>
-              <a:t>5/12/16</a:t>
+              <a:t>5/22/16</a:t>
             </a:fld>
             <a:endParaRPr lang="en-US"/>
           </a:p>
@@ -609,7 +609,7 @@
           <a:p>
             <a:fld id="{CFE2123C-B64D-A343-BD51-70F5FE8B4A19}" type="datetimeFigureOut">
               <a:rPr lang="en-US" smtClean="0"/>
-              <a:t>5/12/16</a:t>
+              <a:t>5/22/16</a:t>
             </a:fld>
             <a:endParaRPr lang="en-US"/>
           </a:p>
@@ -779,7 +779,7 @@
           <a:p>
             <a:fld id="{CFE2123C-B64D-A343-BD51-70F5FE8B4A19}" type="datetimeFigureOut">
               <a:rPr lang="en-US" smtClean="0"/>
-              <a:t>5/12/16</a:t>
+              <a:t>5/22/16</a:t>
             </a:fld>
             <a:endParaRPr lang="en-US"/>
           </a:p>
@@ -1025,7 +1025,7 @@
           <a:p>
             <a:fld id="{CFE2123C-B64D-A343-BD51-70F5FE8B4A19}" type="datetimeFigureOut">
               <a:rPr lang="en-US" smtClean="0"/>
-              <a:t>5/12/16</a:t>
+              <a:t>5/22/16</a:t>
             </a:fld>
             <a:endParaRPr lang="en-US"/>
           </a:p>
@@ -1257,7 +1257,7 @@
           <a:p>
             <a:fld id="{CFE2123C-B64D-A343-BD51-70F5FE8B4A19}" type="datetimeFigureOut">
               <a:rPr lang="en-US" smtClean="0"/>
-              <a:t>5/12/16</a:t>
+              <a:t>5/22/16</a:t>
             </a:fld>
             <a:endParaRPr lang="en-US"/>
           </a:p>
@@ -1624,7 +1624,7 @@
           <a:p>
             <a:fld id="{CFE2123C-B64D-A343-BD51-70F5FE8B4A19}" type="datetimeFigureOut">
               <a:rPr lang="en-US" smtClean="0"/>
-              <a:t>5/12/16</a:t>
+              <a:t>5/22/16</a:t>
             </a:fld>
             <a:endParaRPr lang="en-US"/>
           </a:p>
@@ -1742,7 +1742,7 @@
           <a:p>
             <a:fld id="{CFE2123C-B64D-A343-BD51-70F5FE8B4A19}" type="datetimeFigureOut">
               <a:rPr lang="en-US" smtClean="0"/>
-              <a:t>5/12/16</a:t>
+              <a:t>5/22/16</a:t>
             </a:fld>
             <a:endParaRPr lang="en-US"/>
           </a:p>
@@ -1837,7 +1837,7 @@
           <a:p>
             <a:fld id="{CFE2123C-B64D-A343-BD51-70F5FE8B4A19}" type="datetimeFigureOut">
               <a:rPr lang="en-US" smtClean="0"/>
-              <a:t>5/12/16</a:t>
+              <a:t>5/22/16</a:t>
             </a:fld>
             <a:endParaRPr lang="en-US"/>
           </a:p>
@@ -2114,7 +2114,7 @@
           <a:p>
             <a:fld id="{CFE2123C-B64D-A343-BD51-70F5FE8B4A19}" type="datetimeFigureOut">
               <a:rPr lang="en-US" smtClean="0"/>
-              <a:t>5/12/16</a:t>
+              <a:t>5/22/16</a:t>
             </a:fld>
             <a:endParaRPr lang="en-US"/>
           </a:p>
@@ -2367,7 +2367,7 @@
           <a:p>
             <a:fld id="{CFE2123C-B64D-A343-BD51-70F5FE8B4A19}" type="datetimeFigureOut">
               <a:rPr lang="en-US" smtClean="0"/>
-              <a:t>5/12/16</a:t>
+              <a:t>5/22/16</a:t>
             </a:fld>
             <a:endParaRPr lang="en-US"/>
           </a:p>
@@ -2580,7 +2580,7 @@
           <a:p>
             <a:fld id="{CFE2123C-B64D-A343-BD51-70F5FE8B4A19}" type="datetimeFigureOut">
               <a:rPr lang="en-US" smtClean="0"/>
-              <a:t>5/12/16</a:t>
+              <a:t>5/22/16</a:t>
             </a:fld>
             <a:endParaRPr lang="en-US"/>
           </a:p>
@@ -3235,7 +3235,7 @@
               <a:p>
                 <a:r>
                   <a:rPr lang="en-US" sz="2200" dirty="0" smtClean="0"/>
-                  <a:t>Out-of-the-sample training</a:t>
+                  <a:t>Out-of-sample testing</a:t>
                 </a:r>
                 <a:endParaRPr lang="en-US" sz="2200" dirty="0"/>
               </a:p>
@@ -3392,7 +3392,11 @@
               <a:p>
                 <a:r>
                   <a:rPr lang="en-US" sz="2200" dirty="0" smtClean="0"/>
-                  <a:t>In-the-sample training</a:t>
+                  <a:t>In-the-sample </a:t>
+                </a:r>
+                <a:r>
+                  <a:rPr lang="en-US" sz="2200" dirty="0" smtClean="0"/>
+                  <a:t>testing</a:t>
                 </a:r>
                 <a:endParaRPr lang="en-US" sz="2200" dirty="0"/>
               </a:p>
